--- a/Presentasjon løsning.pptx
+++ b/Presentasjon løsning.pptx
@@ -3710,7 +3710,15 @@
           <a:p>
             <a:r>
               <a:rPr lang="nb-NO" dirty="0" smtClean="0"/>
-              <a:t>Hovedfil: app.py</a:t>
+              <a:t>Hovedfil: «</a:t>
+            </a:r>
+            <a:r>
+              <a:rPr lang="nb-NO" i="1" dirty="0" smtClean="0"/>
+              <a:t>app.py</a:t>
+            </a:r>
+            <a:r>
+              <a:rPr lang="nb-NO" dirty="0" smtClean="0"/>
+              <a:t>»</a:t>
             </a:r>
           </a:p>
           <a:p>
@@ -3724,16 +3732,16 @@
             </a:r>
             <a:r>
               <a:rPr lang="nb-NO" dirty="0" smtClean="0"/>
-              <a:t> er listet i </a:t>
-            </a:r>
-            <a:r>
-              <a:rPr lang="nb-NO" smtClean="0"/>
-              <a:t>«requirements.txt»</a:t>
-            </a:r>
-            <a:endParaRPr lang="nb-NO" dirty="0" smtClean="0"/>
-          </a:p>
-          <a:p>
-            <a:endParaRPr lang="nb-NO" dirty="0"/>
+              <a:t> er listet i «</a:t>
+            </a:r>
+            <a:r>
+              <a:rPr lang="nb-NO" i="1" dirty="0" smtClean="0"/>
+              <a:t>requirements.txt</a:t>
+            </a:r>
+            <a:r>
+              <a:rPr lang="nb-NO" dirty="0" smtClean="0"/>
+              <a:t>»</a:t>
+            </a:r>
           </a:p>
         </p:txBody>
       </p:sp>
@@ -3848,7 +3856,7 @@
               <a:t>«</a:t>
             </a:r>
             <a:r>
-              <a:rPr lang="nb-NO" dirty="0" err="1" smtClean="0"/>
+              <a:rPr lang="nb-NO" i="1" dirty="0" err="1" smtClean="0"/>
               <a:t>Bootstrap</a:t>
             </a:r>
             <a:r>

--- a/Presentasjon løsning.pptx
+++ b/Presentasjon løsning.pptx
@@ -8,10 +8,11 @@
     <p:sldId id="256" r:id="rId2"/>
     <p:sldId id="257" r:id="rId3"/>
     <p:sldId id="258" r:id="rId4"/>
-    <p:sldId id="259" r:id="rId5"/>
-    <p:sldId id="260" r:id="rId6"/>
-    <p:sldId id="261" r:id="rId7"/>
-    <p:sldId id="262" r:id="rId8"/>
+    <p:sldId id="263" r:id="rId5"/>
+    <p:sldId id="259" r:id="rId6"/>
+    <p:sldId id="260" r:id="rId7"/>
+    <p:sldId id="261" r:id="rId8"/>
+    <p:sldId id="262" r:id="rId9"/>
   </p:sldIdLst>
   <p:sldSz cx="12192000" cy="6858000"/>
   <p:notesSz cx="6858000" cy="9144000"/>
@@ -110,6 +111,11 @@
       </a:defRPr>
     </a:lvl9pPr>
   </p:defaultTextStyle>
+  <p:extLst>
+    <p:ext uri="{EFAFB233-063F-42B5-8137-9DF3F51BA10A}">
+      <p15:sldGuideLst xmlns:p15="http://schemas.microsoft.com/office/powerpoint/2012/main"/>
+    </p:ext>
+  </p:extLst>
 </p:presentation>
 </file>
 
@@ -244,7 +250,7 @@
           <a:p>
             <a:fld id="{F08D0A78-4655-4123-903F-414F8375859B}" type="datetimeFigureOut">
               <a:rPr lang="nb-NO" smtClean="0"/>
-              <a:t>23.04.2018</a:t>
+              <a:t>24.04.2018</a:t>
             </a:fld>
             <a:endParaRPr lang="nb-NO"/>
           </a:p>
@@ -414,7 +420,7 @@
           <a:p>
             <a:fld id="{F08D0A78-4655-4123-903F-414F8375859B}" type="datetimeFigureOut">
               <a:rPr lang="nb-NO" smtClean="0"/>
-              <a:t>23.04.2018</a:t>
+              <a:t>24.04.2018</a:t>
             </a:fld>
             <a:endParaRPr lang="nb-NO"/>
           </a:p>
@@ -594,7 +600,7 @@
           <a:p>
             <a:fld id="{F08D0A78-4655-4123-903F-414F8375859B}" type="datetimeFigureOut">
               <a:rPr lang="nb-NO" smtClean="0"/>
-              <a:t>23.04.2018</a:t>
+              <a:t>24.04.2018</a:t>
             </a:fld>
             <a:endParaRPr lang="nb-NO"/>
           </a:p>
@@ -764,7 +770,7 @@
           <a:p>
             <a:fld id="{F08D0A78-4655-4123-903F-414F8375859B}" type="datetimeFigureOut">
               <a:rPr lang="nb-NO" smtClean="0"/>
-              <a:t>23.04.2018</a:t>
+              <a:t>24.04.2018</a:t>
             </a:fld>
             <a:endParaRPr lang="nb-NO"/>
           </a:p>
@@ -1010,7 +1016,7 @@
           <a:p>
             <a:fld id="{F08D0A78-4655-4123-903F-414F8375859B}" type="datetimeFigureOut">
               <a:rPr lang="nb-NO" smtClean="0"/>
-              <a:t>23.04.2018</a:t>
+              <a:t>24.04.2018</a:t>
             </a:fld>
             <a:endParaRPr lang="nb-NO"/>
           </a:p>
@@ -1242,7 +1248,7 @@
           <a:p>
             <a:fld id="{F08D0A78-4655-4123-903F-414F8375859B}" type="datetimeFigureOut">
               <a:rPr lang="nb-NO" smtClean="0"/>
-              <a:t>23.04.2018</a:t>
+              <a:t>24.04.2018</a:t>
             </a:fld>
             <a:endParaRPr lang="nb-NO"/>
           </a:p>
@@ -1609,7 +1615,7 @@
           <a:p>
             <a:fld id="{F08D0A78-4655-4123-903F-414F8375859B}" type="datetimeFigureOut">
               <a:rPr lang="nb-NO" smtClean="0"/>
-              <a:t>23.04.2018</a:t>
+              <a:t>24.04.2018</a:t>
             </a:fld>
             <a:endParaRPr lang="nb-NO"/>
           </a:p>
@@ -1727,7 +1733,7 @@
           <a:p>
             <a:fld id="{F08D0A78-4655-4123-903F-414F8375859B}" type="datetimeFigureOut">
               <a:rPr lang="nb-NO" smtClean="0"/>
-              <a:t>23.04.2018</a:t>
+              <a:t>24.04.2018</a:t>
             </a:fld>
             <a:endParaRPr lang="nb-NO"/>
           </a:p>
@@ -1822,7 +1828,7 @@
           <a:p>
             <a:fld id="{F08D0A78-4655-4123-903F-414F8375859B}" type="datetimeFigureOut">
               <a:rPr lang="nb-NO" smtClean="0"/>
-              <a:t>23.04.2018</a:t>
+              <a:t>24.04.2018</a:t>
             </a:fld>
             <a:endParaRPr lang="nb-NO"/>
           </a:p>
@@ -2099,7 +2105,7 @@
           <a:p>
             <a:fld id="{F08D0A78-4655-4123-903F-414F8375859B}" type="datetimeFigureOut">
               <a:rPr lang="nb-NO" smtClean="0"/>
-              <a:t>23.04.2018</a:t>
+              <a:t>24.04.2018</a:t>
             </a:fld>
             <a:endParaRPr lang="nb-NO"/>
           </a:p>
@@ -2352,7 +2358,7 @@
           <a:p>
             <a:fld id="{F08D0A78-4655-4123-903F-414F8375859B}" type="datetimeFigureOut">
               <a:rPr lang="nb-NO" smtClean="0"/>
-              <a:t>23.04.2018</a:t>
+              <a:t>24.04.2018</a:t>
             </a:fld>
             <a:endParaRPr lang="nb-NO"/>
           </a:p>
@@ -2565,7 +2571,7 @@
           <a:p>
             <a:fld id="{F08D0A78-4655-4123-903F-414F8375859B}" type="datetimeFigureOut">
               <a:rPr lang="nb-NO" smtClean="0"/>
-              <a:t>23.04.2018</a:t>
+              <a:t>24.04.2018</a:t>
             </a:fld>
             <a:endParaRPr lang="nb-NO"/>
           </a:p>
@@ -3239,20 +3245,9 @@
             </a:r>
             <a:r>
               <a:rPr lang="nb-NO" sz="2000" dirty="0"/>
-              <a:t>SQL for å finne feilene i etterkant. Hvis formålet med databasen hadde vært å erstatte systemet ville det vært mer fornuftig å sette opp en normalisert mer rigid datamodell med feilsjekk og fremmednøkler for å sikre </a:t>
-            </a:r>
-            <a:r>
-              <a:rPr lang="nb-NO" sz="2000" dirty="0" smtClean="0"/>
-              <a:t>konsistent </a:t>
-            </a:r>
-            <a:r>
-              <a:rPr lang="nb-NO" sz="2000" dirty="0"/>
-              <a:t>data ved senere innlesning</a:t>
-            </a:r>
-            <a:r>
-              <a:rPr lang="nb-NO" sz="2000" dirty="0" smtClean="0"/>
-              <a:t>.</a:t>
-            </a:r>
+              <a:t>SQL for å finne feilene i etterkant. </a:t>
+            </a:r>
+            <a:endParaRPr lang="nb-NO" sz="2000" dirty="0" smtClean="0"/>
           </a:p>
           <a:p>
             <a:r>
@@ -3261,7 +3256,11 @@
             </a:r>
             <a:r>
               <a:rPr lang="nb-NO" sz="2000" dirty="0" smtClean="0"/>
-              <a:t> for oppretting av tabeller ligger i «</a:t>
+              <a:t> </a:t>
+            </a:r>
+            <a:r>
+              <a:rPr lang="nb-NO" sz="2000" dirty="0" smtClean="0"/>
+              <a:t>for oppretting av tabeller ligger i «</a:t>
             </a:r>
             <a:r>
               <a:rPr lang="nb-NO" sz="2000" i="1" dirty="0" err="1" smtClean="0"/>
@@ -3344,7 +3343,7 @@
           <a:p>
             <a:r>
               <a:rPr lang="nb-NO" dirty="0" smtClean="0"/>
-              <a:t>Database og innlesning fra Excel</a:t>
+              <a:t>Alternativ datamodell</a:t>
             </a:r>
             <a:endParaRPr lang="nb-NO" dirty="0"/>
           </a:p>
@@ -3363,120 +3362,48 @@
         <p:spPr/>
         <p:txBody>
           <a:bodyPr>
-            <a:normAutofit lnSpcReduction="10000"/>
+            <a:normAutofit/>
           </a:bodyPr>
           <a:lstStyle/>
           <a:p>
-            <a:r>
-              <a:rPr lang="nb-NO" dirty="0" smtClean="0"/>
-              <a:t>Bruker </a:t>
-            </a:r>
-            <a:r>
-              <a:rPr lang="nb-NO" dirty="0" err="1" smtClean="0"/>
-              <a:t>MariaDB</a:t>
-            </a:r>
-            <a:r>
-              <a:rPr lang="nb-NO" dirty="0" smtClean="0"/>
-              <a:t>. (Allerede installert)</a:t>
-            </a:r>
-          </a:p>
-          <a:p>
-            <a:r>
-              <a:rPr lang="nb-NO" dirty="0" smtClean="0"/>
-              <a:t>Enkleste måte for innlesning er å lagre Excel-arket som CVS. Må lagre en </a:t>
-            </a:r>
-            <a:r>
-              <a:rPr lang="nb-NO" dirty="0" err="1" smtClean="0"/>
-              <a:t>csv</a:t>
-            </a:r>
-            <a:r>
-              <a:rPr lang="nb-NO" dirty="0"/>
-              <a:t>-</a:t>
-            </a:r>
-            <a:r>
-              <a:rPr lang="nb-NO" dirty="0" smtClean="0"/>
-              <a:t>fil for hver fane i </a:t>
-            </a:r>
-            <a:r>
-              <a:rPr lang="nb-NO" dirty="0" err="1" smtClean="0"/>
-              <a:t>Excelarket</a:t>
-            </a:r>
-            <a:r>
-              <a:rPr lang="nb-NO" dirty="0" smtClean="0"/>
-              <a:t>. Navngis med samme navn som fanen. Altså </a:t>
-            </a:r>
-            <a:r>
-              <a:rPr lang="nb-NO" dirty="0" smtClean="0"/>
-              <a:t>«</a:t>
-            </a:r>
-            <a:r>
-              <a:rPr lang="nb-NO" i="1" dirty="0" smtClean="0"/>
-              <a:t>betalinger.csv</a:t>
-            </a:r>
-            <a:r>
-              <a:rPr lang="nb-NO" dirty="0" smtClean="0"/>
-              <a:t>», «</a:t>
-            </a:r>
-            <a:r>
-              <a:rPr lang="nb-NO" i="1" dirty="0" smtClean="0"/>
-              <a:t>kontingent.csv</a:t>
-            </a:r>
-            <a:r>
-              <a:rPr lang="nb-NO" dirty="0" smtClean="0"/>
-              <a:t>» og «</a:t>
-            </a:r>
-            <a:r>
-              <a:rPr lang="nb-NO" i="1" dirty="0" smtClean="0"/>
-              <a:t>medlemmer.csv</a:t>
-            </a:r>
-            <a:r>
-              <a:rPr lang="nb-NO" dirty="0" smtClean="0"/>
-              <a:t>»</a:t>
-            </a:r>
-            <a:endParaRPr lang="nb-NO" dirty="0" smtClean="0"/>
-          </a:p>
-          <a:p>
-            <a:r>
-              <a:rPr lang="nb-NO" dirty="0" smtClean="0"/>
-              <a:t>Data lastes inn ved å kjøre «</a:t>
-            </a:r>
-            <a:r>
-              <a:rPr lang="nb-NO" i="1" dirty="0" err="1" smtClean="0"/>
-              <a:t>import.sql</a:t>
-            </a:r>
-            <a:r>
-              <a:rPr lang="nb-NO" dirty="0" smtClean="0"/>
-              <a:t>». Skriptet må endres slik at det peker på korrekt filbane. Ved innlasting slettes alt innholdet i tabellene før alt innholdet hentes fra CSV-filene.</a:t>
-            </a:r>
-          </a:p>
-          <a:p>
-            <a:r>
-              <a:rPr lang="nb-NO" dirty="0" smtClean="0"/>
-              <a:t>Postnumre og Poststed leses fra «</a:t>
-            </a:r>
-            <a:r>
-              <a:rPr lang="nb-NO" i="1" dirty="0" smtClean="0"/>
-              <a:t>Postnummerregister-ansi.txt</a:t>
-            </a:r>
-            <a:r>
-              <a:rPr lang="nb-NO" dirty="0" smtClean="0"/>
-              <a:t>» hentet fra https://data.norge.no/data/posten-norge/postnummer-i-norge </a:t>
-            </a:r>
-          </a:p>
-          <a:p>
-            <a:pPr lvl="1"/>
-            <a:r>
-              <a:rPr lang="nb-NO" dirty="0" smtClean="0"/>
-              <a:t>En forbedring ville være å lese fra REST-API til Bring.</a:t>
-            </a:r>
-            <a:endParaRPr lang="nb-NO" dirty="0"/>
-          </a:p>
-        </p:txBody>
-      </p:sp>
+            <a:pPr marL="0" indent="0">
+              <a:buNone/>
+            </a:pPr>
+            <a:r>
+              <a:rPr lang="nb-NO" sz="2000" dirty="0"/>
+              <a:t>Hvis formålet med databasen hadde vært å erstatte systemet ville det vært mer fornuftig å sette opp en normalisert mer rigid datamodell med feilsjekk og fremmednøkler for å sikre konsistent data ved senere innlesning.</a:t>
+            </a:r>
+          </a:p>
+        </p:txBody>
+      </p:sp>
+      <p:pic>
+        <p:nvPicPr>
+          <p:cNvPr id="5" name="Bilde 4"/>
+          <p:cNvPicPr>
+            <a:picLocks noChangeAspect="1"/>
+          </p:cNvPicPr>
+          <p:nvPr/>
+        </p:nvPicPr>
+        <p:blipFill>
+          <a:blip r:embed="rId2"/>
+          <a:stretch>
+            <a:fillRect/>
+          </a:stretch>
+        </p:blipFill>
+        <p:spPr>
+          <a:xfrm>
+            <a:off x="1314450" y="2674364"/>
+            <a:ext cx="9334154" cy="4183635"/>
+          </a:xfrm>
+          <a:prstGeom prst="rect">
+            <a:avLst/>
+          </a:prstGeom>
+        </p:spPr>
+      </p:pic>
     </p:spTree>
     <p:extLst>
       <p:ext uri="{BB962C8B-B14F-4D97-AF65-F5344CB8AC3E}">
-        <p14:creationId xmlns:p14="http://schemas.microsoft.com/office/powerpoint/2010/main" val="4128422195"/>
+        <p14:creationId xmlns:p14="http://schemas.microsoft.com/office/powerpoint/2010/main" val="2075984353"/>
       </p:ext>
     </p:extLst>
   </p:cSld>
@@ -3520,7 +3447,7 @@
           <a:p>
             <a:r>
               <a:rPr lang="nb-NO" dirty="0" smtClean="0"/>
-              <a:t>Visninger</a:t>
+              <a:t>Database og innlesning fra Excel</a:t>
             </a:r>
             <a:endParaRPr lang="nb-NO" dirty="0"/>
           </a:p>
@@ -3539,74 +3466,106 @@
         <p:spPr/>
         <p:txBody>
           <a:bodyPr>
-            <a:normAutofit fontScale="92500" lnSpcReduction="10000"/>
+            <a:normAutofit lnSpcReduction="10000"/>
           </a:bodyPr>
           <a:lstStyle/>
           <a:p>
-            <a:pPr marL="0" indent="0">
-              <a:buNone/>
-            </a:pPr>
-            <a:r>
-              <a:rPr lang="nb-NO" dirty="0" smtClean="0"/>
-              <a:t>Det er laget forskjellige visninger i databasen. Definisjoner finnes i «</a:t>
+            <a:r>
+              <a:rPr lang="nb-NO" dirty="0" smtClean="0"/>
+              <a:t>Bruker </a:t>
+            </a:r>
+            <a:r>
+              <a:rPr lang="nb-NO" dirty="0" err="1" smtClean="0"/>
+              <a:t>MariaDB</a:t>
+            </a:r>
+            <a:r>
+              <a:rPr lang="nb-NO" dirty="0" smtClean="0"/>
+              <a:t>. (Allerede installert)</a:t>
+            </a:r>
+          </a:p>
+          <a:p>
+            <a:r>
+              <a:rPr lang="nb-NO" dirty="0" smtClean="0"/>
+              <a:t>Enkleste måte for innlesning er å lagre Excel-arket som CVS. Må lagre en </a:t>
+            </a:r>
+            <a:r>
+              <a:rPr lang="nb-NO" dirty="0" err="1" smtClean="0"/>
+              <a:t>csv</a:t>
+            </a:r>
+            <a:r>
+              <a:rPr lang="nb-NO" dirty="0"/>
+              <a:t>-</a:t>
+            </a:r>
+            <a:r>
+              <a:rPr lang="nb-NO" dirty="0" smtClean="0"/>
+              <a:t>fil for hver fane i </a:t>
+            </a:r>
+            <a:r>
+              <a:rPr lang="nb-NO" dirty="0" err="1" smtClean="0"/>
+              <a:t>Excelarket</a:t>
+            </a:r>
+            <a:r>
+              <a:rPr lang="nb-NO" dirty="0" smtClean="0"/>
+              <a:t>. Navngis med samme navn som fanen. Altså «</a:t>
+            </a:r>
+            <a:r>
+              <a:rPr lang="nb-NO" i="1" dirty="0" smtClean="0"/>
+              <a:t>betalinger.csv</a:t>
+            </a:r>
+            <a:r>
+              <a:rPr lang="nb-NO" dirty="0" smtClean="0"/>
+              <a:t>», «</a:t>
+            </a:r>
+            <a:r>
+              <a:rPr lang="nb-NO" i="1" dirty="0" smtClean="0"/>
+              <a:t>kontingent.csv</a:t>
+            </a:r>
+            <a:r>
+              <a:rPr lang="nb-NO" dirty="0" smtClean="0"/>
+              <a:t>» og «</a:t>
+            </a:r>
+            <a:r>
+              <a:rPr lang="nb-NO" i="1" dirty="0" smtClean="0"/>
+              <a:t>medlemmer.csv</a:t>
+            </a:r>
+            <a:r>
+              <a:rPr lang="nb-NO" dirty="0" smtClean="0"/>
+              <a:t>»</a:t>
+            </a:r>
+          </a:p>
+          <a:p>
+            <a:r>
+              <a:rPr lang="nb-NO" dirty="0" smtClean="0"/>
+              <a:t>Data lastes inn ved å kjøre «</a:t>
             </a:r>
             <a:r>
               <a:rPr lang="nb-NO" i="1" dirty="0" err="1" smtClean="0"/>
-              <a:t>visninger.sql</a:t>
-            </a:r>
-            <a:r>
-              <a:rPr lang="nb-NO" dirty="0" smtClean="0"/>
-              <a:t>»</a:t>
-            </a:r>
-          </a:p>
-          <a:p>
-            <a:r>
-              <a:rPr lang="nb-NO" b="1" dirty="0" err="1" smtClean="0"/>
-              <a:t>v_alle_medlemmer</a:t>
-            </a:r>
-            <a:r>
-              <a:rPr lang="nb-NO" dirty="0" smtClean="0"/>
-              <a:t>: Alle medlemmer med alder.</a:t>
-            </a:r>
-          </a:p>
-          <a:p>
-            <a:r>
-              <a:rPr lang="nb-NO" b="1" dirty="0" err="1" smtClean="0"/>
-              <a:t>v_feil_medlemstype</a:t>
-            </a:r>
-            <a:r>
-              <a:rPr lang="nb-NO" dirty="0" smtClean="0"/>
-              <a:t>: Lister opp medlemmer registrert med feil medlemstype</a:t>
-            </a:r>
-          </a:p>
-          <a:p>
-            <a:r>
-              <a:rPr lang="nb-NO" b="1" dirty="0" err="1" smtClean="0"/>
-              <a:t>v_gale_innbetalinger</a:t>
-            </a:r>
-            <a:r>
-              <a:rPr lang="nb-NO" dirty="0" smtClean="0"/>
-              <a:t>: Gale innbetalinger sjekket opp mot registrert medlemstype.</a:t>
-            </a:r>
-          </a:p>
-          <a:p>
-            <a:r>
-              <a:rPr lang="nb-NO" b="1" dirty="0" err="1" smtClean="0"/>
-              <a:t>v_gale_innbetalinger_korrigert_medlemstype</a:t>
-            </a:r>
-            <a:r>
-              <a:rPr lang="nb-NO" dirty="0" smtClean="0"/>
-              <a:t>: Gale innbetalinger som følge at av medlemstype ikke er korrekt.</a:t>
-            </a:r>
-          </a:p>
-          <a:p>
-            <a:r>
-              <a:rPr lang="nb-NO" b="1" dirty="0" err="1" smtClean="0"/>
-              <a:t>v_gale_innbetalinger_medlemsnr</a:t>
-            </a:r>
-            <a:r>
-              <a:rPr lang="nb-NO" dirty="0" smtClean="0"/>
-              <a:t>: Innbetalinger utført av medlemmer uten unikt medlemsnummer</a:t>
+              <a:t>import.sql</a:t>
+            </a:r>
+            <a:r>
+              <a:rPr lang="nb-NO" dirty="0" smtClean="0"/>
+              <a:t>». Skriptet må endres slik at det peker på korrekt filbane. Ved innlasting slettes alt innholdet i tabellene før alt innholdet hentes fra CSV-filene.</a:t>
+            </a:r>
+          </a:p>
+          <a:p>
+            <a:r>
+              <a:rPr lang="nb-NO" dirty="0" smtClean="0"/>
+              <a:t>Postnumre og Poststed leses fra «</a:t>
+            </a:r>
+            <a:r>
+              <a:rPr lang="nb-NO" i="1" dirty="0" smtClean="0"/>
+              <a:t>Postnummerregister-ansi.txt</a:t>
+            </a:r>
+            <a:r>
+              <a:rPr lang="nb-NO" dirty="0" smtClean="0"/>
+              <a:t>» hentet fra https://data.norge.no/data/posten-norge/postnummer-i-norge </a:t>
+            </a:r>
+          </a:p>
+          <a:p>
+            <a:pPr lvl="1"/>
+            <a:r>
+              <a:rPr lang="nb-NO" dirty="0" smtClean="0"/>
+              <a:t>En forbedring ville være å lese fra REST-API til Bring.</a:t>
             </a:r>
             <a:endParaRPr lang="nb-NO" dirty="0"/>
           </a:p>
@@ -3615,7 +3574,7 @@
     </p:spTree>
     <p:extLst>
       <p:ext uri="{BB962C8B-B14F-4D97-AF65-F5344CB8AC3E}">
-        <p14:creationId xmlns:p14="http://schemas.microsoft.com/office/powerpoint/2010/main" val="3081240568"/>
+        <p14:creationId xmlns:p14="http://schemas.microsoft.com/office/powerpoint/2010/main" val="4128422195"/>
       </p:ext>
     </p:extLst>
   </p:cSld>
@@ -3659,15 +3618,7 @@
           <a:p>
             <a:r>
               <a:rPr lang="nb-NO" dirty="0" smtClean="0"/>
-              <a:t>Rapport – </a:t>
-            </a:r>
-            <a:r>
-              <a:rPr lang="nb-NO" dirty="0" err="1" smtClean="0"/>
-              <a:t>backend</a:t>
-            </a:r>
-            <a:r>
-              <a:rPr lang="nb-NO" dirty="0" smtClean="0"/>
-              <a:t>.</a:t>
+              <a:t>Visninger</a:t>
             </a:r>
             <a:endParaRPr lang="nb-NO" dirty="0"/>
           </a:p>
@@ -3685,36 +3636,21 @@
         </p:nvSpPr>
         <p:spPr/>
         <p:txBody>
-          <a:bodyPr/>
-          <a:lstStyle/>
-          <a:p>
-            <a:r>
-              <a:rPr lang="nb-NO" dirty="0" smtClean="0"/>
-              <a:t>Python FLASK som </a:t>
-            </a:r>
-            <a:r>
-              <a:rPr lang="nb-NO" dirty="0" err="1" smtClean="0"/>
-              <a:t>backend</a:t>
-            </a:r>
-            <a:r>
-              <a:rPr lang="nb-NO" dirty="0" smtClean="0"/>
-              <a:t>. Minimalistisk og superenkelt.</a:t>
-            </a:r>
-          </a:p>
-          <a:p>
-            <a:r>
-              <a:rPr lang="nb-NO" dirty="0" smtClean="0"/>
-              <a:t>Henter tabellene fra visningene vi pandas som printer tabellen til html.</a:t>
-            </a:r>
-          </a:p>
-          <a:p>
-            <a:r>
-              <a:rPr lang="nb-NO" dirty="0" smtClean="0"/>
-              <a:t>Hovedfil: «</a:t>
-            </a:r>
-            <a:r>
-              <a:rPr lang="nb-NO" i="1" dirty="0" smtClean="0"/>
-              <a:t>app.py</a:t>
+          <a:bodyPr>
+            <a:normAutofit fontScale="92500" lnSpcReduction="10000"/>
+          </a:bodyPr>
+          <a:lstStyle/>
+          <a:p>
+            <a:pPr marL="0" indent="0">
+              <a:buNone/>
+            </a:pPr>
+            <a:r>
+              <a:rPr lang="nb-NO" dirty="0" smtClean="0"/>
+              <a:t>Det er laget forskjellige visninger i databasen. Definisjoner finnes i «</a:t>
+            </a:r>
+            <a:r>
+              <a:rPr lang="nb-NO" i="1" dirty="0" err="1" smtClean="0"/>
+              <a:t>visninger.sql</a:t>
             </a:r>
             <a:r>
               <a:rPr lang="nb-NO" dirty="0" smtClean="0"/>
@@ -3723,32 +3659,61 @@
           </a:p>
           <a:p>
             <a:r>
-              <a:rPr lang="nb-NO" dirty="0" smtClean="0"/>
-              <a:t>Nødvendige </a:t>
-            </a:r>
-            <a:r>
-              <a:rPr lang="nb-NO" dirty="0" err="1" smtClean="0"/>
-              <a:t>avhengingheter</a:t>
-            </a:r>
-            <a:r>
-              <a:rPr lang="nb-NO" dirty="0" smtClean="0"/>
-              <a:t> er listet i «</a:t>
-            </a:r>
-            <a:r>
-              <a:rPr lang="nb-NO" i="1" dirty="0" smtClean="0"/>
-              <a:t>requirements.txt</a:t>
-            </a:r>
-            <a:r>
-              <a:rPr lang="nb-NO" dirty="0" smtClean="0"/>
-              <a:t>»</a:t>
-            </a:r>
+              <a:rPr lang="nb-NO" b="1" dirty="0" err="1" smtClean="0"/>
+              <a:t>v_alle_medlemmer</a:t>
+            </a:r>
+            <a:r>
+              <a:rPr lang="nb-NO" dirty="0" smtClean="0"/>
+              <a:t>: Alle medlemmer med alder.</a:t>
+            </a:r>
+          </a:p>
+          <a:p>
+            <a:r>
+              <a:rPr lang="nb-NO" b="1" dirty="0" err="1" smtClean="0"/>
+              <a:t>v_feil_medlemstype</a:t>
+            </a:r>
+            <a:r>
+              <a:rPr lang="nb-NO" dirty="0" smtClean="0"/>
+              <a:t>: Lister opp medlemmer registrert med feil medlemstype</a:t>
+            </a:r>
+          </a:p>
+          <a:p>
+            <a:r>
+              <a:rPr lang="nb-NO" b="1" dirty="0" err="1" smtClean="0"/>
+              <a:t>v_gale_innbetalinger</a:t>
+            </a:r>
+            <a:r>
+              <a:rPr lang="nb-NO" dirty="0" smtClean="0"/>
+              <a:t>: Gale innbetalinger sjekket opp mot registrert medlemstype.</a:t>
+            </a:r>
+          </a:p>
+          <a:p>
+            <a:r>
+              <a:rPr lang="nb-NO" b="1" dirty="0" err="1" smtClean="0"/>
+              <a:t>v_gale_innbetalinger_korrigert_medlemstype</a:t>
+            </a:r>
+            <a:r>
+              <a:rPr lang="nb-NO" dirty="0" smtClean="0"/>
+              <a:t>: Gale innbetalinger som følge at av medlemstype ikke er korrekt.</a:t>
+            </a:r>
+          </a:p>
+          <a:p>
+            <a:r>
+              <a:rPr lang="nb-NO" b="1" dirty="0" err="1" smtClean="0"/>
+              <a:t>v_gale_innbetalinger_medlemsnr</a:t>
+            </a:r>
+            <a:r>
+              <a:rPr lang="nb-NO" dirty="0" smtClean="0"/>
+              <a:t>: Innbetalinger utført av medlemmer uten unikt medlemsnummer</a:t>
+            </a:r>
+            <a:endParaRPr lang="nb-NO" dirty="0"/>
           </a:p>
         </p:txBody>
       </p:sp>
     </p:spTree>
     <p:extLst>
       <p:ext uri="{BB962C8B-B14F-4D97-AF65-F5344CB8AC3E}">
-        <p14:creationId xmlns:p14="http://schemas.microsoft.com/office/powerpoint/2010/main" val="1417460496"/>
+        <p14:creationId xmlns:p14="http://schemas.microsoft.com/office/powerpoint/2010/main" val="3081240568"/>
       </p:ext>
     </p:extLst>
   </p:cSld>
@@ -3792,6 +3757,139 @@
           <a:p>
             <a:r>
               <a:rPr lang="nb-NO" dirty="0" smtClean="0"/>
+              <a:t>Rapport – </a:t>
+            </a:r>
+            <a:r>
+              <a:rPr lang="nb-NO" dirty="0" err="1" smtClean="0"/>
+              <a:t>backend</a:t>
+            </a:r>
+            <a:r>
+              <a:rPr lang="nb-NO" dirty="0" smtClean="0"/>
+              <a:t>.</a:t>
+            </a:r>
+            <a:endParaRPr lang="nb-NO" dirty="0"/>
+          </a:p>
+        </p:txBody>
+      </p:sp>
+      <p:sp>
+        <p:nvSpPr>
+          <p:cNvPr id="3" name="Plassholder for innhold 2"/>
+          <p:cNvSpPr>
+            <a:spLocks noGrp="1"/>
+          </p:cNvSpPr>
+          <p:nvPr>
+            <p:ph idx="1"/>
+          </p:nvPr>
+        </p:nvSpPr>
+        <p:spPr/>
+        <p:txBody>
+          <a:bodyPr/>
+          <a:lstStyle/>
+          <a:p>
+            <a:r>
+              <a:rPr lang="nb-NO" dirty="0" smtClean="0"/>
+              <a:t>Python FLASK som </a:t>
+            </a:r>
+            <a:r>
+              <a:rPr lang="nb-NO" dirty="0" err="1" smtClean="0"/>
+              <a:t>backend</a:t>
+            </a:r>
+            <a:r>
+              <a:rPr lang="nb-NO" dirty="0" smtClean="0"/>
+              <a:t>. Minimalistisk og superenkelt.</a:t>
+            </a:r>
+          </a:p>
+          <a:p>
+            <a:r>
+              <a:rPr lang="nb-NO" dirty="0" smtClean="0"/>
+              <a:t>Henter tabellene fra visningene vi pandas som printer tabellen til html.</a:t>
+            </a:r>
+          </a:p>
+          <a:p>
+            <a:r>
+              <a:rPr lang="nb-NO" dirty="0" smtClean="0"/>
+              <a:t>Hovedfil: «</a:t>
+            </a:r>
+            <a:r>
+              <a:rPr lang="nb-NO" i="1" dirty="0" smtClean="0"/>
+              <a:t>app.py</a:t>
+            </a:r>
+            <a:r>
+              <a:rPr lang="nb-NO" dirty="0" smtClean="0"/>
+              <a:t>»</a:t>
+            </a:r>
+          </a:p>
+          <a:p>
+            <a:r>
+              <a:rPr lang="nb-NO" dirty="0" smtClean="0"/>
+              <a:t>Nødvendige </a:t>
+            </a:r>
+            <a:r>
+              <a:rPr lang="nb-NO" dirty="0" err="1" smtClean="0"/>
+              <a:t>avhengingheter</a:t>
+            </a:r>
+            <a:r>
+              <a:rPr lang="nb-NO" dirty="0" smtClean="0"/>
+              <a:t> er listet i «</a:t>
+            </a:r>
+            <a:r>
+              <a:rPr lang="nb-NO" i="1" dirty="0" smtClean="0"/>
+              <a:t>requirements.txt</a:t>
+            </a:r>
+            <a:r>
+              <a:rPr lang="nb-NO" dirty="0" smtClean="0"/>
+              <a:t>»</a:t>
+            </a:r>
+          </a:p>
+        </p:txBody>
+      </p:sp>
+    </p:spTree>
+    <p:extLst>
+      <p:ext uri="{BB962C8B-B14F-4D97-AF65-F5344CB8AC3E}">
+        <p14:creationId xmlns:p14="http://schemas.microsoft.com/office/powerpoint/2010/main" val="1417460496"/>
+      </p:ext>
+    </p:extLst>
+  </p:cSld>
+  <p:clrMapOvr>
+    <a:masterClrMapping/>
+  </p:clrMapOvr>
+</p:sld>
+</file>
+
+<file path=ppt/slides/slide8.xml><?xml version="1.0" encoding="utf-8"?>
+<p:sld xmlns:a="http://schemas.openxmlformats.org/drawingml/2006/main" xmlns:r="http://schemas.openxmlformats.org/officeDocument/2006/relationships" xmlns:p="http://schemas.openxmlformats.org/presentationml/2006/main">
+  <p:cSld>
+    <p:spTree>
+      <p:nvGrpSpPr>
+        <p:cNvPr id="1" name=""/>
+        <p:cNvGrpSpPr/>
+        <p:nvPr/>
+      </p:nvGrpSpPr>
+      <p:grpSpPr>
+        <a:xfrm>
+          <a:off x="0" y="0"/>
+          <a:ext cx="0" cy="0"/>
+          <a:chOff x="0" y="0"/>
+          <a:chExt cx="0" cy="0"/>
+        </a:xfrm>
+      </p:grpSpPr>
+      <p:sp>
+        <p:nvSpPr>
+          <p:cNvPr id="2" name="Tittel 1"/>
+          <p:cNvSpPr>
+            <a:spLocks noGrp="1"/>
+          </p:cNvSpPr>
+          <p:nvPr>
+            <p:ph type="title"/>
+          </p:nvPr>
+        </p:nvSpPr>
+        <p:spPr/>
+        <p:txBody>
+          <a:bodyPr/>
+          <a:lstStyle/>
+          <a:p>
+            <a:r>
+              <a:rPr lang="nb-NO" dirty="0" smtClean="0"/>
               <a:t>Rapport - </a:t>
             </a:r>
             <a:r>
@@ -3869,11 +3967,7 @@
             </a:r>
             <a:r>
               <a:rPr lang="nb-NO" dirty="0" smtClean="0"/>
-              <a:t>-hover CSS-klassen</a:t>
-            </a:r>
-            <a:r>
-              <a:rPr lang="nb-NO" dirty="0" smtClean="0"/>
-              <a:t> gir en annen farge på raden musa ligger over. Radene markeres ved klikk. </a:t>
+              <a:t>-hover CSS-klassen gir en annen farge på raden musa ligger over. Radene markeres ved klikk. </a:t>
             </a:r>
           </a:p>
           <a:p>
